--- a/NodeJS/lesson_33/Presentation/REST.pptx
+++ b/NodeJS/lesson_33/Presentation/REST.pptx
@@ -112,6 +112,22 @@
       </a:defRPr>
     </a:lvl9pPr>
   </p:defaultTextStyle>
+  <p:extLst>
+    <p:ext uri="{EFAFB233-063F-42B5-8137-9DF3F51BA10A}">
+      <p15:sldGuideLst xmlns:p15="http://schemas.microsoft.com/office/powerpoint/2012/main">
+        <p15:guide id="1" orient="horz" pos="2160">
+          <p15:clr>
+            <a:srgbClr val="A4A3A4"/>
+          </p15:clr>
+        </p15:guide>
+        <p15:guide id="2" pos="2880">
+          <p15:clr>
+            <a:srgbClr val="A4A3A4"/>
+          </p15:clr>
+        </p15:guide>
+      </p15:sldGuideLst>
+    </p:ext>
+  </p:extLst>
 </p:presentation>
 </file>
 
@@ -198,7 +214,7 @@
             <a:fld id="{32F453EA-39F4-492A-9263-08BC9DD90E6E}" type="datetimeFigureOut">
               <a:rPr lang="uk-UA" smtClean="0"/>
               <a:pPr/>
-              <a:t>18.09.2016</a:t>
+              <a:t>05.10.2016</a:t>
             </a:fld>
             <a:endParaRPr lang="uk-UA"/>
           </a:p>
@@ -264,35 +280,35 @@
           <a:p>
             <a:pPr lvl="0"/>
             <a:r>
-              <a:rPr lang="ru-RU" smtClean="0"/>
+              <a:rPr lang="ru-RU"/>
               <a:t>Образец текста</a:t>
             </a:r>
           </a:p>
           <a:p>
             <a:pPr lvl="1"/>
             <a:r>
-              <a:rPr lang="ru-RU" smtClean="0"/>
+              <a:rPr lang="ru-RU"/>
               <a:t>Второй уровень</a:t>
             </a:r>
           </a:p>
           <a:p>
             <a:pPr lvl="2"/>
             <a:r>
-              <a:rPr lang="ru-RU" smtClean="0"/>
+              <a:rPr lang="ru-RU"/>
               <a:t>Третий уровень</a:t>
             </a:r>
           </a:p>
           <a:p>
             <a:pPr lvl="3"/>
             <a:r>
-              <a:rPr lang="ru-RU" smtClean="0"/>
+              <a:rPr lang="ru-RU"/>
               <a:t>Четвертый уровень</a:t>
             </a:r>
           </a:p>
           <a:p>
             <a:pPr lvl="4"/>
             <a:r>
-              <a:rPr lang="ru-RU" smtClean="0"/>
+              <a:rPr lang="ru-RU"/>
               <a:t>Пятый уровень</a:t>
             </a:r>
             <a:endParaRPr lang="uk-UA"/>
@@ -519,10 +535,9 @@
           </a:lstStyle>
           <a:p>
             <a:r>
-              <a:rPr lang="en-US" dirty="0" smtClean="0"/>
+              <a:rPr lang="en-US" dirty="0"/>
               <a:t>title style</a:t>
             </a:r>
-            <a:endParaRPr lang="en-US" dirty="0"/>
           </a:p>
         </p:txBody>
       </p:sp>
@@ -642,7 +657,7 @@
           </a:lstStyle>
           <a:p>
             <a:r>
-              <a:rPr lang="ru-RU" smtClean="0"/>
+              <a:rPr lang="ru-RU"/>
               <a:t>Образец подзаголовка</a:t>
             </a:r>
             <a:endParaRPr lang="en-US" dirty="0"/>
@@ -971,20 +986,13 @@
     </p:spTree>
     <p:extLst>
       <p:ext uri="{BB962C8B-B14F-4D97-AF65-F5344CB8AC3E}">
-        <p14:creationId xmlns="" xmlns:p14="http://schemas.microsoft.com/office/powerpoint/2010/main" val="3537187278"/>
+        <p14:creationId xmlns:p14="http://schemas.microsoft.com/office/powerpoint/2010/main" val="3537187278"/>
       </p:ext>
     </p:extLst>
   </p:cSld>
   <p:clrMapOvr>
     <a:overrideClrMapping bg1="lt1" tx1="dk1" bg2="lt2" tx2="dk2" accent1="accent1" accent2="accent2" accent3="accent3" accent4="accent4" accent5="accent5" accent6="accent6" hlink="hlink" folHlink="folHlink"/>
   </p:clrMapOvr>
-  <p:timing>
-    <p:tnLst>
-      <p:par>
-        <p:cTn id="1" dur="indefinite" restart="never" nodeType="tmRoot"/>
-      </p:par>
-    </p:tnLst>
-  </p:timing>
 </p:sldLayout>
 </file>
 
@@ -1017,7 +1025,7 @@
           <a:blip r:embed="rId2" cstate="print">
             <a:extLst>
               <a:ext uri="{28A0092B-C50C-407E-A947-70E740481C1C}">
-                <a14:useLocalDpi xmlns="" xmlns:a14="http://schemas.microsoft.com/office/drawing/2010/main" val="0"/>
+                <a14:useLocalDpi xmlns:a14="http://schemas.microsoft.com/office/drawing/2010/main" val="0"/>
               </a:ext>
             </a:extLst>
           </a:blip>
@@ -1041,14 +1049,14 @@
           <a:effectLst/>
           <a:extLst>
             <a:ext uri="{909E8E84-426E-40DD-AFC4-6F175D3DCCD1}">
-              <a14:hiddenFill xmlns="" xmlns:a14="http://schemas.microsoft.com/office/drawing/2010/main">
+              <a14:hiddenFill xmlns:a14="http://schemas.microsoft.com/office/drawing/2010/main">
                 <a:solidFill>
                   <a:schemeClr val="accent1"/>
                 </a:solidFill>
               </a14:hiddenFill>
             </a:ext>
             <a:ext uri="{91240B29-F687-4F45-9708-019B960494DF}">
-              <a14:hiddenLine xmlns="" xmlns:a14="http://schemas.microsoft.com/office/drawing/2010/main" w="9525">
+              <a14:hiddenLine xmlns:a14="http://schemas.microsoft.com/office/drawing/2010/main" w="9525">
                 <a:solidFill>
                   <a:schemeClr val="tx1"/>
                 </a:solidFill>
@@ -1058,7 +1066,7 @@
               </a14:hiddenLine>
             </a:ext>
             <a:ext uri="{AF507438-7753-43E0-B8FC-AC1667EBCBE1}">
-              <a14:hiddenEffects xmlns="" xmlns:a14="http://schemas.microsoft.com/office/drawing/2010/main">
+              <a14:hiddenEffects xmlns:a14="http://schemas.microsoft.com/office/drawing/2010/main">
                 <a:effectLst>
                   <a:outerShdw dist="35921" dir="2700000" algn="ctr" rotWithShape="0">
                     <a:schemeClr val="bg2"/>
@@ -1153,7 +1161,7 @@
           </a:lstStyle>
           <a:p>
             <a:r>
-              <a:rPr lang="ru-RU" smtClean="0"/>
+              <a:rPr lang="ru-RU"/>
               <a:t>Образец заголовка</a:t>
             </a:r>
             <a:endParaRPr lang="en-US" dirty="0"/>
@@ -1190,7 +1198,7 @@
           <a:p>
             <a:pPr lvl="4"/>
             <a:r>
-              <a:rPr lang="en-US" dirty="0" smtClean="0"/>
+              <a:rPr lang="en-US" dirty="0"/>
               <a:t>Subtitle</a:t>
             </a:r>
           </a:p>
@@ -1199,20 +1207,13 @@
     </p:spTree>
     <p:extLst>
       <p:ext uri="{BB962C8B-B14F-4D97-AF65-F5344CB8AC3E}">
-        <p14:creationId xmlns="" xmlns:p14="http://schemas.microsoft.com/office/powerpoint/2010/main" val="2097366919"/>
+        <p14:creationId xmlns:p14="http://schemas.microsoft.com/office/powerpoint/2010/main" val="2097366919"/>
       </p:ext>
     </p:extLst>
   </p:cSld>
   <p:clrMapOvr>
     <a:masterClrMapping/>
   </p:clrMapOvr>
-  <p:timing>
-    <p:tnLst>
-      <p:par>
-        <p:cTn id="1" dur="indefinite" restart="never" nodeType="tmRoot"/>
-      </p:par>
-    </p:tnLst>
-  </p:timing>
 </p:sldLayout>
 </file>
 
@@ -1271,10 +1272,9 @@
           </a:lstStyle>
           <a:p>
             <a:r>
-              <a:rPr lang="en-US" dirty="0" smtClean="0"/>
+              <a:rPr lang="en-US" dirty="0"/>
               <a:t>title style</a:t>
             </a:r>
-            <a:endParaRPr lang="en-US" dirty="0"/>
           </a:p>
         </p:txBody>
       </p:sp>
@@ -1394,10 +1394,9 @@
           </a:lstStyle>
           <a:p>
             <a:r>
-              <a:rPr lang="en-US" dirty="0" smtClean="0"/>
+              <a:rPr lang="en-US" dirty="0"/>
               <a:t>Click to edit Master subtitle style</a:t>
             </a:r>
-            <a:endParaRPr lang="en-US" dirty="0"/>
           </a:p>
         </p:txBody>
       </p:sp>
@@ -1723,20 +1722,13 @@
     </p:spTree>
     <p:extLst>
       <p:ext uri="{BB962C8B-B14F-4D97-AF65-F5344CB8AC3E}">
-        <p14:creationId xmlns="" xmlns:p14="http://schemas.microsoft.com/office/powerpoint/2010/main" val="3537187278"/>
+        <p14:creationId xmlns:p14="http://schemas.microsoft.com/office/powerpoint/2010/main" val="3537187278"/>
       </p:ext>
     </p:extLst>
   </p:cSld>
   <p:clrMapOvr>
     <a:overrideClrMapping bg1="lt1" tx1="dk1" bg2="lt2" tx2="dk2" accent1="accent1" accent2="accent2" accent3="accent3" accent4="accent4" accent5="accent5" accent6="accent6" hlink="hlink" folHlink="folHlink"/>
   </p:clrMapOvr>
-  <p:timing>
-    <p:tnLst>
-      <p:par>
-        <p:cTn id="1" dur="indefinite" restart="never" nodeType="tmRoot"/>
-      </p:par>
-    </p:tnLst>
-  </p:timing>
 </p:sldLayout>
 </file>
 
@@ -1769,7 +1761,7 @@
           <a:blip r:embed="rId2" cstate="print">
             <a:extLst>
               <a:ext uri="{28A0092B-C50C-407E-A947-70E740481C1C}">
-                <a14:useLocalDpi xmlns="" xmlns:a14="http://schemas.microsoft.com/office/drawing/2010/main" val="0"/>
+                <a14:useLocalDpi xmlns:a14="http://schemas.microsoft.com/office/drawing/2010/main" val="0"/>
               </a:ext>
             </a:extLst>
           </a:blip>
@@ -1793,14 +1785,14 @@
           <a:effectLst/>
           <a:extLst>
             <a:ext uri="{909E8E84-426E-40DD-AFC4-6F175D3DCCD1}">
-              <a14:hiddenFill xmlns="" xmlns:a14="http://schemas.microsoft.com/office/drawing/2010/main">
+              <a14:hiddenFill xmlns:a14="http://schemas.microsoft.com/office/drawing/2010/main">
                 <a:solidFill>
                   <a:schemeClr val="accent1"/>
                 </a:solidFill>
               </a14:hiddenFill>
             </a:ext>
             <a:ext uri="{91240B29-F687-4F45-9708-019B960494DF}">
-              <a14:hiddenLine xmlns="" xmlns:a14="http://schemas.microsoft.com/office/drawing/2010/main" w="9525">
+              <a14:hiddenLine xmlns:a14="http://schemas.microsoft.com/office/drawing/2010/main" w="9525">
                 <a:solidFill>
                   <a:schemeClr val="tx1"/>
                 </a:solidFill>
@@ -1810,7 +1802,7 @@
               </a14:hiddenLine>
             </a:ext>
             <a:ext uri="{AF507438-7753-43E0-B8FC-AC1667EBCBE1}">
-              <a14:hiddenEffects xmlns="" xmlns:a14="http://schemas.microsoft.com/office/drawing/2010/main">
+              <a14:hiddenEffects xmlns:a14="http://schemas.microsoft.com/office/drawing/2010/main">
                 <a:effectLst>
                   <a:outerShdw dist="35921" dir="2700000" algn="ctr" rotWithShape="0">
                     <a:schemeClr val="bg2"/>
@@ -1905,10 +1897,9 @@
           </a:lstStyle>
           <a:p>
             <a:r>
-              <a:rPr lang="en-US" dirty="0" smtClean="0"/>
+              <a:rPr lang="en-US" dirty="0"/>
               <a:t>Click to edit Master title style</a:t>
             </a:r>
-            <a:endParaRPr lang="en-US" dirty="0"/>
           </a:p>
         </p:txBody>
       </p:sp>
@@ -1942,7 +1933,7 @@
           <a:p>
             <a:pPr lvl="4"/>
             <a:r>
-              <a:rPr lang="en-US" dirty="0" smtClean="0"/>
+              <a:rPr lang="en-US" dirty="0"/>
               <a:t>Subtitle</a:t>
             </a:r>
           </a:p>
@@ -1951,20 +1942,13 @@
     </p:spTree>
     <p:extLst>
       <p:ext uri="{BB962C8B-B14F-4D97-AF65-F5344CB8AC3E}">
-        <p14:creationId xmlns="" xmlns:p14="http://schemas.microsoft.com/office/powerpoint/2010/main" val="2097366919"/>
+        <p14:creationId xmlns:p14="http://schemas.microsoft.com/office/powerpoint/2010/main" val="2097366919"/>
       </p:ext>
     </p:extLst>
   </p:cSld>
   <p:clrMapOvr>
     <a:masterClrMapping/>
   </p:clrMapOvr>
-  <p:timing>
-    <p:tnLst>
-      <p:par>
-        <p:cTn id="1" dur="indefinite" restart="never" nodeType="tmRoot"/>
-      </p:par>
-    </p:tnLst>
-  </p:timing>
 </p:sldLayout>
 </file>
 
@@ -2016,7 +2000,7 @@
           <a:lstStyle/>
           <a:p>
             <a:r>
-              <a:rPr lang="ru-RU" smtClean="0"/>
+              <a:rPr lang="ru-RU"/>
               <a:t>Образец заголовка</a:t>
             </a:r>
             <a:endParaRPr lang="en-US"/>
@@ -2026,7 +2010,7 @@
     </p:spTree>
     <p:extLst>
       <p:ext uri="{BB962C8B-B14F-4D97-AF65-F5344CB8AC3E}">
-        <p14:creationId xmlns="" xmlns:p14="http://schemas.microsoft.com/office/powerpoint/2010/main" val="779007194"/>
+        <p14:creationId xmlns:p14="http://schemas.microsoft.com/office/powerpoint/2010/main" val="779007194"/>
       </p:ext>
     </p:extLst>
   </p:cSld>
@@ -2037,13 +2021,6 @@
     <p:sldLayoutId id="2147483665" r:id="rId3"/>
     <p:sldLayoutId id="2147483666" r:id="rId4"/>
   </p:sldLayoutIdLst>
-  <p:timing>
-    <p:tnLst>
-      <p:par>
-        <p:cTn id="1" dur="indefinite" restart="never" nodeType="tmRoot"/>
-      </p:par>
-    </p:tnLst>
-  </p:timing>
   <p:txStyles>
     <p:titleStyle>
       <a:lvl1pPr algn="ctr" defTabSz="914400" rtl="0" eaLnBrk="1" latinLnBrk="0" hangingPunct="1">
@@ -2385,7 +2362,7 @@
           <a:lstStyle/>
           <a:p>
             <a:r>
-              <a:rPr lang="en-US" sz="2700" dirty="0" err="1" smtClean="0">
+              <a:rPr lang="en-US" sz="2700" dirty="0" err="1">
                 <a:solidFill>
                   <a:schemeClr val="bg1"/>
                 </a:solidFill>
@@ -2429,7 +2406,7 @@
           <a:lstStyle/>
           <a:p>
             <a:r>
-              <a:rPr lang="en-US" sz="4400" dirty="0" smtClean="0">
+              <a:rPr lang="en-US" sz="4400" dirty="0">
                 <a:solidFill>
                   <a:srgbClr val="7564BC"/>
                 </a:solidFill>
@@ -2561,7 +2538,7 @@
           </a:lstStyle>
           <a:p>
             <a:r>
-              <a:rPr lang="en-US" sz="3200" b="1" dirty="0" smtClean="0">
+              <a:rPr lang="en-US" sz="3200" b="1" dirty="0">
                 <a:solidFill>
                   <a:schemeClr val="tx1">
                     <a:lumMod val="90000"/>
@@ -2574,17 +2551,6 @@
               </a:rPr>
               <a:t>Node JS</a:t>
             </a:r>
-            <a:endParaRPr lang="en-US" sz="3200" b="1" dirty="0">
-              <a:solidFill>
-                <a:schemeClr val="tx1">
-                  <a:lumMod val="90000"/>
-                  <a:lumOff val="10000"/>
-                </a:schemeClr>
-              </a:solidFill>
-              <a:latin typeface="Calibri" pitchFamily="34" charset="0"/>
-              <a:ea typeface="Roboto Light" panose="02000000000000000000" pitchFamily="2" charset="0"/>
-              <a:cs typeface="Roboto Light" panose="02000000000000000000" pitchFamily="2" charset="0"/>
-            </a:endParaRPr>
           </a:p>
         </p:txBody>
       </p:sp>
@@ -2615,20 +2581,13 @@
     </p:spTree>
     <p:extLst>
       <p:ext uri="{BB962C8B-B14F-4D97-AF65-F5344CB8AC3E}">
-        <p14:creationId xmlns="" xmlns:p14="http://schemas.microsoft.com/office/powerpoint/2010/main" val="3436223543"/>
+        <p14:creationId xmlns:p14="http://schemas.microsoft.com/office/powerpoint/2010/main" val="3436223543"/>
       </p:ext>
     </p:extLst>
   </p:cSld>
   <p:clrMapOvr>
     <a:masterClrMapping/>
   </p:clrMapOvr>
-  <p:timing>
-    <p:tnLst>
-      <p:par>
-        <p:cTn id="1" dur="indefinite" restart="never" nodeType="tmRoot"/>
-      </p:par>
-    </p:tnLst>
-  </p:timing>
 </p:sld>
 </file>
 
@@ -2665,7 +2624,7 @@
           <a:lstStyle/>
           <a:p>
             <a:r>
-              <a:rPr lang="en-US" dirty="0" smtClean="0">
+              <a:rPr lang="en-US" dirty="0">
                 <a:latin typeface="Calibri" pitchFamily="34" charset="0"/>
               </a:rPr>
               <a:t>REST</a:t>
@@ -2703,16 +2662,10 @@
               <a:buChar char="•"/>
             </a:pPr>
             <a:r>
-              <a:rPr lang="ru-RU" dirty="0" smtClean="0">
-                <a:latin typeface="Calibri" pitchFamily="34" charset="0"/>
-              </a:rPr>
-              <a:t> REST </a:t>
-            </a:r>
-            <a:r>
               <a:rPr lang="ru-RU" dirty="0">
                 <a:latin typeface="Calibri" pitchFamily="34" charset="0"/>
               </a:rPr>
-              <a:t>(</a:t>
+              <a:t> REST (</a:t>
             </a:r>
             <a:r>
               <a:rPr lang="ru-RU" dirty="0" err="1">
@@ -2798,9 +2751,6 @@
               </a:rPr>
               <a:t>. </a:t>
             </a:r>
-            <a:endParaRPr lang="ru-RU" dirty="0" smtClean="0">
-              <a:latin typeface="Calibri" pitchFamily="34" charset="0"/>
-            </a:endParaRPr>
           </a:p>
           <a:p>
             <a:pPr>
@@ -2817,20 +2767,11 @@
               <a:buChar char="•"/>
             </a:pPr>
             <a:r>
-              <a:rPr lang="ru-RU" dirty="0" smtClean="0">
-                <a:latin typeface="Calibri" pitchFamily="34" charset="0"/>
-              </a:rPr>
-              <a:t> Термин </a:t>
-            </a:r>
-            <a:r>
               <a:rPr lang="ru-RU" dirty="0">
                 <a:latin typeface="Calibri" pitchFamily="34" charset="0"/>
               </a:rPr>
-              <a:t>REST был введен в 2000 году Роем Филдингом, одним из авторов HTTP-протокола. </a:t>
-            </a:r>
-            <a:endParaRPr lang="ru-RU" dirty="0" smtClean="0">
-              <a:latin typeface="Calibri" pitchFamily="34" charset="0"/>
-            </a:endParaRPr>
+              <a:t> Термин REST был введен в 2000 году Роем Филдингом, одним из авторов HTTP-протокола. </a:t>
+            </a:r>
           </a:p>
           <a:p>
             <a:pPr>
@@ -2847,16 +2788,10 @@
               <a:buChar char="•"/>
             </a:pPr>
             <a:r>
-              <a:rPr lang="ru-RU" dirty="0" smtClean="0">
-                <a:latin typeface="Calibri" pitchFamily="34" charset="0"/>
-              </a:rPr>
-              <a:t> Системы</a:t>
-            </a:r>
-            <a:r>
               <a:rPr lang="ru-RU" dirty="0">
                 <a:latin typeface="Calibri" pitchFamily="34" charset="0"/>
               </a:rPr>
-              <a:t>, поддерживающие REST, называются RESTful-системами.</a:t>
+              <a:t> Системы, поддерживающие REST, называются RESTful-системами.</a:t>
             </a:r>
             <a:endParaRPr lang="uk-UA" dirty="0">
               <a:latin typeface="Calibri" pitchFamily="34" charset="0"/>
@@ -2905,7 +2840,7 @@
           <a:lstStyle/>
           <a:p>
             <a:r>
-              <a:rPr lang="en-US" dirty="0" smtClean="0">
+              <a:rPr lang="en-US" dirty="0">
                 <a:latin typeface="Calibri" pitchFamily="34" charset="0"/>
               </a:rPr>
               <a:t>REST API</a:t>
@@ -3000,7 +2935,7 @@
           <a:lstStyle/>
           <a:p>
             <a:r>
-              <a:rPr lang="en-US" dirty="0" smtClean="0">
+              <a:rPr lang="en-US" dirty="0">
                 <a:latin typeface="Calibri" pitchFamily="34" charset="0"/>
               </a:rPr>
               <a:t>REST API</a:t>
@@ -3033,25 +2968,25 @@
           <a:p>
             <a:pPr algn="ctr"/>
             <a:r>
-              <a:rPr lang="ru-RU" dirty="0" smtClean="0">
+              <a:rPr lang="ru-RU" dirty="0">
                 <a:latin typeface="Calibri" pitchFamily="34" charset="0"/>
               </a:rPr>
               <a:t>Принципы </a:t>
             </a:r>
             <a:r>
-              <a:rPr lang="en-US" dirty="0" smtClean="0">
+              <a:rPr lang="en-US" dirty="0">
                 <a:latin typeface="Calibri" pitchFamily="34" charset="0"/>
               </a:rPr>
               <a:t>REST </a:t>
             </a:r>
             <a:r>
-              <a:rPr lang="ru-RU" dirty="0" smtClean="0">
+              <a:rPr lang="ru-RU" dirty="0">
                 <a:latin typeface="Calibri" pitchFamily="34" charset="0"/>
               </a:rPr>
               <a:t>архитектуры</a:t>
             </a:r>
             <a:r>
-              <a:rPr lang="en-US" dirty="0" smtClean="0">
+              <a:rPr lang="en-US" dirty="0">
                 <a:latin typeface="Calibri" pitchFamily="34" charset="0"/>
               </a:rPr>
               <a:t>: </a:t>
@@ -3068,31 +3003,19 @@
               <a:buChar char="•"/>
             </a:pPr>
             <a:r>
-              <a:rPr lang="en-US" dirty="0" smtClean="0">
+              <a:rPr lang="en-US" dirty="0">
                 <a:latin typeface="Calibri" pitchFamily="34" charset="0"/>
               </a:rPr>
               <a:t> </a:t>
             </a:r>
             <a:r>
-              <a:rPr lang="ru-RU" dirty="0" smtClean="0">
-                <a:latin typeface="Calibri" pitchFamily="34" charset="0"/>
-              </a:rPr>
-              <a:t>Технология </a:t>
-            </a:r>
-            <a:r>
               <a:rPr lang="ru-RU" dirty="0">
                 <a:latin typeface="Calibri" pitchFamily="34" charset="0"/>
               </a:rPr>
-              <a:t>«клиент-сервер» - Клиенты отделены от сервера единым интерфейсом</a:t>
-            </a:r>
-            <a:r>
-              <a:rPr lang="ru-RU" dirty="0" smtClean="0">
-                <a:latin typeface="Calibri" pitchFamily="34" charset="0"/>
-              </a:rPr>
-              <a:t>.</a:t>
-            </a:r>
-            <a:r>
-              <a:rPr lang="en-US" dirty="0" smtClean="0">
+              <a:t>Технология «клиент-сервер» - клиенты отделены от сервера единым интерфейсом.</a:t>
+            </a:r>
+            <a:r>
+              <a:rPr lang="en-US" dirty="0">
                 <a:latin typeface="Calibri" pitchFamily="34" charset="0"/>
               </a:rPr>
               <a:t> </a:t>
@@ -3101,62 +3024,11 @@
               <a:rPr lang="ru-RU" dirty="0">
                 <a:latin typeface="Calibri" pitchFamily="34" charset="0"/>
               </a:rPr>
-              <a:t>Единый интерфейс </a:t>
-            </a:r>
-            <a:r>
-              <a:rPr lang="ru-RU" dirty="0" smtClean="0">
-                <a:latin typeface="Calibri" pitchFamily="34" charset="0"/>
-              </a:rPr>
-              <a:t>упрощает </a:t>
-            </a:r>
-            <a:r>
-              <a:rPr lang="ru-RU" dirty="0">
-                <a:latin typeface="Calibri" pitchFamily="34" charset="0"/>
-              </a:rPr>
-              <a:t>и разделяет архитектуру, позволяя каждой части развиваться самостоятельно. </a:t>
-            </a:r>
-            <a:endParaRPr lang="en-US" dirty="0" smtClean="0">
+              <a:t>Единый интерфейс упрощает и разделяет архитектуру, позволяя каждой части развиваться самостоятельно. </a:t>
+            </a:r>
+            <a:endParaRPr lang="en-US" dirty="0">
               <a:latin typeface="Calibri" pitchFamily="34" charset="0"/>
             </a:endParaRPr>
-          </a:p>
-          <a:p>
-            <a:pPr>
-              <a:buFont typeface="Arial" pitchFamily="34" charset="0"/>
-              <a:buChar char="•"/>
-            </a:pPr>
-            <a:endParaRPr lang="en-US" dirty="0" smtClean="0">
-              <a:latin typeface="Calibri" pitchFamily="34" charset="0"/>
-            </a:endParaRPr>
-          </a:p>
-          <a:p>
-            <a:pPr>
-              <a:buFont typeface="Arial" pitchFamily="34" charset="0"/>
-              <a:buChar char="•"/>
-            </a:pPr>
-            <a:r>
-              <a:rPr lang="en-US" dirty="0" smtClean="0">
-                <a:latin typeface="Calibri" pitchFamily="34" charset="0"/>
-              </a:rPr>
-              <a:t> </a:t>
-            </a:r>
-            <a:r>
-              <a:rPr lang="ru-RU" dirty="0" smtClean="0">
-                <a:latin typeface="Calibri" pitchFamily="34" charset="0"/>
-              </a:rPr>
-              <a:t>Без </a:t>
-            </a:r>
-            <a:r>
-              <a:rPr lang="ru-RU" dirty="0">
-                <a:latin typeface="Calibri" pitchFamily="34" charset="0"/>
-              </a:rPr>
-              <a:t>состояния - Взаимодействие клиент-сервер ограничивается далее отсутствием сохранения контекста клиента на сервере между запросами.</a:t>
-            </a:r>
-            <a:r>
-              <a:rPr lang="en-US" dirty="0" smtClean="0">
-                <a:latin typeface="Calibri" pitchFamily="34" charset="0"/>
-              </a:rPr>
-              <a:t> </a:t>
-            </a:r>
           </a:p>
           <a:p>
             <a:pPr>
@@ -3173,40 +3045,22 @@
               <a:buChar char="•"/>
             </a:pPr>
             <a:r>
-              <a:rPr lang="en-US" dirty="0" smtClean="0">
+              <a:rPr lang="en-US" dirty="0">
                 <a:latin typeface="Calibri" pitchFamily="34" charset="0"/>
               </a:rPr>
               <a:t> </a:t>
             </a:r>
             <a:r>
-              <a:rPr lang="ru-RU" dirty="0" err="1" smtClean="0">
-                <a:latin typeface="Calibri" pitchFamily="34" charset="0"/>
-              </a:rPr>
-              <a:t>Кэшируемость</a:t>
-            </a:r>
-            <a:r>
-              <a:rPr lang="ru-RU" dirty="0" smtClean="0">
+              <a:rPr lang="ru-RU" dirty="0">
+                <a:latin typeface="Calibri" pitchFamily="34" charset="0"/>
+              </a:rPr>
+              <a:t>Без состояния - взаимодействие клиент-сервер ограничивается отсутствием сохранения контекста клиента на сервере между запросами.</a:t>
+            </a:r>
+            <a:r>
+              <a:rPr lang="en-US" dirty="0">
                 <a:latin typeface="Calibri" pitchFamily="34" charset="0"/>
               </a:rPr>
               <a:t> </a:t>
-            </a:r>
-            <a:r>
-              <a:rPr lang="ru-RU" dirty="0">
-                <a:latin typeface="Calibri" pitchFamily="34" charset="0"/>
-              </a:rPr>
-              <a:t>- клиенты могут кэшировать </a:t>
-            </a:r>
-            <a:r>
-              <a:rPr lang="ru-RU" dirty="0" smtClean="0">
-                <a:latin typeface="Calibri" pitchFamily="34" charset="0"/>
-              </a:rPr>
-              <a:t>ответы</a:t>
-            </a:r>
-            <a:r>
-              <a:rPr lang="en-US" dirty="0" smtClean="0">
-                <a:latin typeface="Calibri" pitchFamily="34" charset="0"/>
-              </a:rPr>
-              <a:t>. </a:t>
             </a:r>
           </a:p>
           <a:p>
@@ -3224,33 +3078,66 @@
               <a:buChar char="•"/>
             </a:pPr>
             <a:r>
-              <a:rPr lang="en-US" dirty="0" smtClean="0">
+              <a:rPr lang="en-US" dirty="0">
                 <a:latin typeface="Calibri" pitchFamily="34" charset="0"/>
               </a:rPr>
               <a:t> </a:t>
             </a:r>
             <a:r>
-              <a:rPr lang="ru-RU" dirty="0" smtClean="0">
-                <a:latin typeface="Calibri" pitchFamily="34" charset="0"/>
-              </a:rPr>
-              <a:t>Многоуровневая </a:t>
+              <a:rPr lang="ru-RU" dirty="0" err="1">
+                <a:latin typeface="Calibri" pitchFamily="34" charset="0"/>
+              </a:rPr>
+              <a:t>Кэшируемость</a:t>
             </a:r>
             <a:r>
               <a:rPr lang="ru-RU" dirty="0">
                 <a:latin typeface="Calibri" pitchFamily="34" charset="0"/>
               </a:rPr>
-              <a:t>система - Клиент не может однозначно определить, подключается ли он непосредственно к серверу или к посреднику по пути подключения.</a:t>
-            </a:r>
-            <a:endParaRPr lang="en-US" dirty="0" smtClean="0">
+              <a:t> - клиенты могут кэшировать ответы</a:t>
+            </a:r>
+            <a:r>
+              <a:rPr lang="en-US" dirty="0">
+                <a:latin typeface="Calibri" pitchFamily="34" charset="0"/>
+              </a:rPr>
+              <a:t>. </a:t>
+            </a:r>
+          </a:p>
+          <a:p>
+            <a:pPr>
+              <a:buFont typeface="Arial" pitchFamily="34" charset="0"/>
+              <a:buChar char="•"/>
+            </a:pPr>
+            <a:endParaRPr lang="en-US" dirty="0">
               <a:latin typeface="Calibri" pitchFamily="34" charset="0"/>
             </a:endParaRPr>
           </a:p>
           <a:p>
+            <a:pPr>
+              <a:buFont typeface="Arial" pitchFamily="34" charset="0"/>
+              <a:buChar char="•"/>
+            </a:pPr>
+            <a:r>
+              <a:rPr lang="en-US" dirty="0">
+                <a:latin typeface="Calibri" pitchFamily="34" charset="0"/>
+              </a:rPr>
+              <a:t> </a:t>
+            </a:r>
+            <a:r>
+              <a:rPr lang="ru-RU" dirty="0">
+                <a:latin typeface="Calibri" pitchFamily="34" charset="0"/>
+              </a:rPr>
+              <a:t>Многоуровневая система - клиент не может однозначно определить, подключается ли он непосредственно к серверу или к посреднику по пути подключения.</a:t>
+            </a:r>
+            <a:endParaRPr lang="en-US" dirty="0">
+              <a:latin typeface="Calibri" pitchFamily="34" charset="0"/>
+            </a:endParaRPr>
+          </a:p>
+          <a:p>
             <a:endParaRPr lang="en-US" dirty="0"/>
           </a:p>
           <a:p>
             <a:r>
-              <a:rPr lang="en-US" dirty="0" smtClean="0"/>
+              <a:rPr lang="en-US" dirty="0"/>
               <a:t> </a:t>
             </a:r>
           </a:p>
@@ -3258,7 +3145,7 @@
             <a:endParaRPr lang="en-US" dirty="0"/>
           </a:p>
           <a:p>
-            <a:endParaRPr lang="en-US" dirty="0" smtClean="0"/>
+            <a:endParaRPr lang="en-US" dirty="0"/>
           </a:p>
         </p:txBody>
       </p:sp>
@@ -3303,7 +3190,7 @@
           <a:lstStyle/>
           <a:p>
             <a:r>
-              <a:rPr lang="en-US" dirty="0" err="1" smtClean="0"/>
+              <a:rPr lang="en-US" dirty="0" err="1"/>
               <a:t>Restify</a:t>
             </a:r>
             <a:endParaRPr lang="uk-UA" dirty="0"/>
@@ -3337,22 +3224,10 @@
               <a:buChar char="•"/>
             </a:pPr>
             <a:r>
-              <a:rPr lang="ru-RU" dirty="0" smtClean="0">
-                <a:latin typeface="Calibri" pitchFamily="34" charset="0"/>
-              </a:rPr>
-              <a:t> Restify - это модуль, предназначенный для построения правильных REST API приложений на </a:t>
-            </a:r>
-            <a:r>
-              <a:rPr lang="ru-RU" dirty="0" err="1" smtClean="0">
-                <a:latin typeface="Calibri" pitchFamily="34" charset="0"/>
-              </a:rPr>
-              <a:t>Node.js</a:t>
-            </a:r>
-            <a:r>
-              <a:rPr lang="ru-RU" dirty="0" smtClean="0">
-                <a:latin typeface="Calibri" pitchFamily="34" charset="0"/>
-              </a:rPr>
-              <a:t>. </a:t>
+              <a:rPr lang="ru-RU" dirty="0">
+                <a:latin typeface="Calibri" pitchFamily="34" charset="0"/>
+              </a:rPr>
+              <a:t> Restify - это модуль, предназначенный для построения REST API приложений на Node.js. </a:t>
             </a:r>
           </a:p>
           <a:p>
@@ -3360,7 +3235,7 @@
               <a:buFont typeface="Arial" pitchFamily="34" charset="0"/>
               <a:buChar char="•"/>
             </a:pPr>
-            <a:endParaRPr lang="ru-RU" dirty="0" smtClean="0">
+            <a:endParaRPr lang="ru-RU" dirty="0">
               <a:latin typeface="Calibri" pitchFamily="34" charset="0"/>
             </a:endParaRPr>
           </a:p>
@@ -3370,12 +3245,12 @@
               <a:buChar char="•"/>
             </a:pPr>
             <a:r>
-              <a:rPr lang="ru-RU" dirty="0" smtClean="0">
+              <a:rPr lang="ru-RU" dirty="0">
                 <a:latin typeface="Calibri" pitchFamily="34" charset="0"/>
               </a:rPr>
               <a:t> Он ориентирован на строгое соответствие принципам REST.</a:t>
             </a:r>
-            <a:endParaRPr lang="en-US" dirty="0" smtClean="0">
+            <a:endParaRPr lang="en-US" dirty="0">
               <a:latin typeface="Calibri" pitchFamily="34" charset="0"/>
             </a:endParaRPr>
           </a:p>
@@ -3384,7 +3259,7 @@
               <a:buFont typeface="Arial" pitchFamily="34" charset="0"/>
               <a:buChar char="•"/>
             </a:pPr>
-            <a:endParaRPr lang="en-US" dirty="0" smtClean="0">
+            <a:endParaRPr lang="en-US" dirty="0">
               <a:latin typeface="Calibri" pitchFamily="34" charset="0"/>
             </a:endParaRPr>
           </a:p>
@@ -3394,25 +3269,25 @@
               <a:buChar char="•"/>
             </a:pPr>
             <a:r>
-              <a:rPr lang="ru-RU" dirty="0" smtClean="0">
+              <a:rPr lang="ru-RU" dirty="0">
                 <a:latin typeface="Calibri" pitchFamily="34" charset="0"/>
               </a:rPr>
               <a:t> Сервисы, созданные на Restify отличаются управляемостью и наблюдаемостью, чего приходится добиваться отдельно на иных, не предназначенных для REST сервисов </a:t>
             </a:r>
             <a:r>
-              <a:rPr lang="ru-RU" dirty="0" err="1" smtClean="0">
+              <a:rPr lang="ru-RU" dirty="0" err="1">
                 <a:latin typeface="Calibri" pitchFamily="34" charset="0"/>
               </a:rPr>
               <a:t>фреймворках</a:t>
             </a:r>
             <a:r>
-              <a:rPr lang="ru-RU" dirty="0" smtClean="0">
+              <a:rPr lang="ru-RU" dirty="0">
                 <a:latin typeface="Calibri" pitchFamily="34" charset="0"/>
               </a:rPr>
               <a:t>.</a:t>
             </a:r>
             <a:r>
-              <a:rPr lang="en-US" dirty="0" smtClean="0">
+              <a:rPr lang="en-US" dirty="0">
                 <a:latin typeface="Calibri" pitchFamily="34" charset="0"/>
               </a:rPr>
               <a:t> </a:t>
@@ -3423,7 +3298,7 @@
               <a:buFont typeface="Arial" pitchFamily="34" charset="0"/>
               <a:buChar char="•"/>
             </a:pPr>
-            <a:endParaRPr lang="en-US" dirty="0" smtClean="0">
+            <a:endParaRPr lang="en-US" dirty="0">
               <a:latin typeface="Calibri" pitchFamily="34" charset="0"/>
             </a:endParaRPr>
           </a:p>
@@ -3433,19 +3308,19 @@
               <a:buChar char="•"/>
             </a:pPr>
             <a:r>
-              <a:rPr lang="en-US" dirty="0" smtClean="0">
+              <a:rPr lang="en-US" dirty="0">
                 <a:latin typeface="Calibri" pitchFamily="34" charset="0"/>
               </a:rPr>
               <a:t> </a:t>
             </a:r>
             <a:r>
-              <a:rPr lang="ru-RU" dirty="0" smtClean="0">
+              <a:rPr lang="ru-RU" dirty="0">
                 <a:latin typeface="Calibri" pitchFamily="34" charset="0"/>
               </a:rPr>
               <a:t>Синтаксис похож на </a:t>
             </a:r>
             <a:r>
-              <a:rPr lang="en-US" dirty="0" smtClean="0">
+              <a:rPr lang="en-US" dirty="0">
                 <a:latin typeface="Calibri" pitchFamily="34" charset="0"/>
               </a:rPr>
               <a:t>Express. </a:t>
@@ -3473,7 +3348,7 @@
         </p:blipFill>
         <p:spPr bwMode="auto">
           <a:xfrm>
-            <a:off x="467544" y="1124744"/>
+            <a:off x="3887924" y="1108865"/>
             <a:ext cx="1368152" cy="1368152"/>
           </a:xfrm>
           <a:prstGeom prst="rect">
@@ -3523,7 +3398,7 @@
           <a:lstStyle/>
           <a:p>
             <a:r>
-              <a:rPr lang="en-US" dirty="0" err="1" smtClean="0"/>
+              <a:rPr lang="en-US" dirty="0" err="1"/>
               <a:t>Restify</a:t>
             </a:r>
             <a:endParaRPr lang="uk-UA" dirty="0"/>
@@ -3566,49 +3441,49 @@
           <a:lstStyle/>
           <a:p>
             <a:r>
-              <a:rPr lang="en-US" sz="1400" b="1" dirty="0" err="1" smtClean="0">
+              <a:rPr lang="en-US" sz="1400" b="1" dirty="0" err="1">
                 <a:latin typeface="Calibri" pitchFamily="34" charset="0"/>
               </a:rPr>
               <a:t>app.get</a:t>
             </a:r>
             <a:r>
-              <a:rPr lang="en-US" sz="1400" dirty="0" smtClean="0">
+              <a:rPr lang="en-US" sz="1400" dirty="0">
                 <a:latin typeface="Calibri" pitchFamily="34" charset="0"/>
               </a:rPr>
               <a:t>('/</a:t>
             </a:r>
             <a:r>
-              <a:rPr lang="en-US" sz="1400" dirty="0" err="1" smtClean="0">
+              <a:rPr lang="en-US" sz="1400" dirty="0" err="1">
                 <a:latin typeface="Calibri" pitchFamily="34" charset="0"/>
               </a:rPr>
               <a:t>api</a:t>
             </a:r>
             <a:r>
-              <a:rPr lang="en-US" sz="1400" dirty="0" smtClean="0">
+              <a:rPr lang="en-US" sz="1400" dirty="0">
                 <a:latin typeface="Calibri" pitchFamily="34" charset="0"/>
               </a:rPr>
               <a:t>/items/:</a:t>
             </a:r>
             <a:r>
-              <a:rPr lang="en-US" sz="1400" dirty="0" err="1" smtClean="0">
+              <a:rPr lang="en-US" sz="1400" dirty="0" err="1">
                 <a:latin typeface="Calibri" pitchFamily="34" charset="0"/>
               </a:rPr>
               <a:t>itemId</a:t>
             </a:r>
             <a:r>
-              <a:rPr lang="en-US" sz="1400" dirty="0" smtClean="0">
+              <a:rPr lang="en-US" sz="1400" dirty="0">
                 <a:latin typeface="Calibri" pitchFamily="34" charset="0"/>
               </a:rPr>
               <a:t>', function (</a:t>
             </a:r>
             <a:r>
-              <a:rPr lang="en-US" sz="1400" dirty="0" err="1" smtClean="0">
+              <a:rPr lang="en-US" sz="1400" dirty="0" err="1">
                 <a:latin typeface="Calibri" pitchFamily="34" charset="0"/>
               </a:rPr>
               <a:t>req</a:t>
             </a:r>
             <a:r>
-              <a:rPr lang="en-US" sz="1400" dirty="0" smtClean="0">
+              <a:rPr lang="en-US" sz="1400" dirty="0">
                 <a:latin typeface="Calibri" pitchFamily="34" charset="0"/>
               </a:rPr>
               <a:t>, res, next) {</a:t>
@@ -3616,31 +3491,31 @@
           </a:p>
           <a:p>
             <a:r>
-              <a:rPr lang="en-US" sz="1400" dirty="0" smtClean="0">
+              <a:rPr lang="en-US" sz="1400" dirty="0">
                 <a:latin typeface="Calibri" pitchFamily="34" charset="0"/>
               </a:rPr>
               <a:t>    </a:t>
             </a:r>
             <a:r>
-              <a:rPr lang="en-US" sz="1400" dirty="0" err="1" smtClean="0">
+              <a:rPr lang="en-US" sz="1400" dirty="0" err="1">
                 <a:latin typeface="Calibri" pitchFamily="34" charset="0"/>
               </a:rPr>
               <a:t>res.send</a:t>
             </a:r>
             <a:r>
-              <a:rPr lang="en-US" sz="1400" dirty="0" smtClean="0">
+              <a:rPr lang="en-US" sz="1400" dirty="0">
                 <a:latin typeface="Calibri" pitchFamily="34" charset="0"/>
               </a:rPr>
               <a:t>(200, </a:t>
             </a:r>
             <a:r>
-              <a:rPr lang="en-US" sz="1400" dirty="0" err="1" smtClean="0">
+              <a:rPr lang="en-US" sz="1400" dirty="0" err="1">
                 <a:latin typeface="Calibri" pitchFamily="34" charset="0"/>
               </a:rPr>
               <a:t>req.item</a:t>
             </a:r>
             <a:r>
-              <a:rPr lang="en-US" sz="1400" dirty="0" smtClean="0">
+              <a:rPr lang="en-US" sz="1400" dirty="0">
                 <a:latin typeface="Calibri" pitchFamily="34" charset="0"/>
               </a:rPr>
               <a:t>);</a:t>
@@ -3648,62 +3523,62 @@
           </a:p>
           <a:p>
             <a:r>
-              <a:rPr lang="uk-UA" sz="1400" dirty="0" smtClean="0">
+              <a:rPr lang="uk-UA" sz="1400" dirty="0">
                 <a:latin typeface="Calibri" pitchFamily="34" charset="0"/>
               </a:rPr>
               <a:t>});</a:t>
             </a:r>
           </a:p>
           <a:p>
-            <a:endParaRPr lang="uk-UA" sz="1400" dirty="0" smtClean="0">
+            <a:endParaRPr lang="uk-UA" sz="1400" dirty="0">
               <a:latin typeface="Calibri" pitchFamily="34" charset="0"/>
             </a:endParaRPr>
           </a:p>
           <a:p>
             <a:r>
-              <a:rPr lang="en-US" sz="1400" b="1" dirty="0" err="1" smtClean="0">
+              <a:rPr lang="en-US" sz="1400" b="1" dirty="0" err="1">
                 <a:latin typeface="Calibri" pitchFamily="34" charset="0"/>
               </a:rPr>
               <a:t>app.put</a:t>
             </a:r>
             <a:r>
-              <a:rPr lang="en-US" sz="1400" dirty="0" smtClean="0">
+              <a:rPr lang="en-US" sz="1400" dirty="0">
                 <a:latin typeface="Calibri" pitchFamily="34" charset="0"/>
               </a:rPr>
               <a:t>('/</a:t>
             </a:r>
             <a:r>
-              <a:rPr lang="en-US" sz="1400" dirty="0" err="1" smtClean="0">
+              <a:rPr lang="en-US" sz="1400" dirty="0" err="1">
                 <a:latin typeface="Calibri" pitchFamily="34" charset="0"/>
               </a:rPr>
               <a:t>api</a:t>
             </a:r>
             <a:r>
-              <a:rPr lang="en-US" sz="1400" dirty="0" smtClean="0">
+              <a:rPr lang="en-US" sz="1400" dirty="0">
                 <a:latin typeface="Calibri" pitchFamily="34" charset="0"/>
               </a:rPr>
               <a:t>/items/:</a:t>
             </a:r>
             <a:r>
-              <a:rPr lang="en-US" sz="1400" dirty="0" err="1" smtClean="0">
+              <a:rPr lang="en-US" sz="1400" dirty="0" err="1">
                 <a:latin typeface="Calibri" pitchFamily="34" charset="0"/>
               </a:rPr>
               <a:t>itemId</a:t>
             </a:r>
             <a:r>
-              <a:rPr lang="en-US" sz="1400" dirty="0" smtClean="0">
+              <a:rPr lang="en-US" sz="1400" dirty="0">
                 <a:latin typeface="Calibri" pitchFamily="34" charset="0"/>
               </a:rPr>
               <a:t>', function (</a:t>
             </a:r>
             <a:r>
-              <a:rPr lang="en-US" sz="1400" dirty="0" err="1" smtClean="0">
+              <a:rPr lang="en-US" sz="1400" dirty="0" err="1">
                 <a:latin typeface="Calibri" pitchFamily="34" charset="0"/>
               </a:rPr>
               <a:t>req</a:t>
             </a:r>
             <a:r>
-              <a:rPr lang="en-US" sz="1400" dirty="0" smtClean="0">
+              <a:rPr lang="en-US" sz="1400" dirty="0">
                 <a:latin typeface="Calibri" pitchFamily="34" charset="0"/>
               </a:rPr>
               <a:t>, res, next) {</a:t>
@@ -3711,31 +3586,31 @@
           </a:p>
           <a:p>
             <a:r>
-              <a:rPr lang="en-US" sz="1400" dirty="0" smtClean="0">
+              <a:rPr lang="en-US" sz="1400" dirty="0">
                 <a:latin typeface="Calibri" pitchFamily="34" charset="0"/>
               </a:rPr>
               <a:t>    </a:t>
             </a:r>
             <a:r>
-              <a:rPr lang="en-US" sz="1400" dirty="0" err="1" smtClean="0">
+              <a:rPr lang="en-US" sz="1400" dirty="0" err="1">
                 <a:latin typeface="Calibri" pitchFamily="34" charset="0"/>
               </a:rPr>
               <a:t>req.item.set</a:t>
             </a:r>
             <a:r>
-              <a:rPr lang="en-US" sz="1400" dirty="0" smtClean="0">
+              <a:rPr lang="en-US" sz="1400" dirty="0">
                 <a:latin typeface="Calibri" pitchFamily="34" charset="0"/>
               </a:rPr>
               <a:t>(</a:t>
             </a:r>
             <a:r>
-              <a:rPr lang="en-US" sz="1400" dirty="0" err="1" smtClean="0">
+              <a:rPr lang="en-US" sz="1400" dirty="0" err="1">
                 <a:latin typeface="Calibri" pitchFamily="34" charset="0"/>
               </a:rPr>
               <a:t>req.body</a:t>
             </a:r>
             <a:r>
-              <a:rPr lang="en-US" sz="1400" dirty="0" smtClean="0">
+              <a:rPr lang="en-US" sz="1400" dirty="0">
                 <a:latin typeface="Calibri" pitchFamily="34" charset="0"/>
               </a:rPr>
               <a:t>);</a:t>
@@ -3743,19 +3618,19 @@
           </a:p>
           <a:p>
             <a:r>
-              <a:rPr lang="en-US" sz="1400" dirty="0" smtClean="0">
+              <a:rPr lang="en-US" sz="1400" dirty="0">
                 <a:latin typeface="Calibri" pitchFamily="34" charset="0"/>
               </a:rPr>
               <a:t>    </a:t>
             </a:r>
             <a:r>
-              <a:rPr lang="en-US" sz="1400" dirty="0" err="1" smtClean="0">
+              <a:rPr lang="en-US" sz="1400" dirty="0" err="1">
                 <a:latin typeface="Calibri" pitchFamily="34" charset="0"/>
               </a:rPr>
               <a:t>req.item.save</a:t>
             </a:r>
             <a:r>
-              <a:rPr lang="en-US" sz="1400" dirty="0" smtClean="0">
+              <a:rPr lang="en-US" sz="1400" dirty="0">
                 <a:latin typeface="Calibri" pitchFamily="34" charset="0"/>
               </a:rPr>
               <a:t>(function (err, item) {</a:t>
@@ -3763,19 +3638,19 @@
           </a:p>
           <a:p>
             <a:r>
-              <a:rPr lang="en-US" sz="1400" dirty="0" smtClean="0">
+              <a:rPr lang="en-US" sz="1400" dirty="0">
                 <a:latin typeface="Calibri" pitchFamily="34" charset="0"/>
               </a:rPr>
               <a:t>        </a:t>
             </a:r>
             <a:r>
-              <a:rPr lang="en-US" sz="1400" dirty="0" err="1" smtClean="0">
+              <a:rPr lang="en-US" sz="1400" dirty="0" err="1">
                 <a:latin typeface="Calibri" pitchFamily="34" charset="0"/>
               </a:rPr>
               <a:t>res.send</a:t>
             </a:r>
             <a:r>
-              <a:rPr lang="en-US" sz="1400" dirty="0" smtClean="0">
+              <a:rPr lang="en-US" sz="1400" dirty="0">
                 <a:latin typeface="Calibri" pitchFamily="34" charset="0"/>
               </a:rPr>
               <a:t>(204, item);</a:t>
@@ -3783,7 +3658,7 @@
           </a:p>
           <a:p>
             <a:r>
-              <a:rPr lang="uk-UA" sz="1400" dirty="0" smtClean="0">
+              <a:rPr lang="uk-UA" sz="1400" dirty="0">
                 <a:latin typeface="Calibri" pitchFamily="34" charset="0"/>
               </a:rPr>
               <a:t>    });</a:t>
@@ -3791,62 +3666,62 @@
           </a:p>
           <a:p>
             <a:r>
-              <a:rPr lang="uk-UA" sz="1400" dirty="0" smtClean="0">
+              <a:rPr lang="uk-UA" sz="1400" dirty="0">
                 <a:latin typeface="Calibri" pitchFamily="34" charset="0"/>
               </a:rPr>
               <a:t>});</a:t>
             </a:r>
           </a:p>
           <a:p>
-            <a:endParaRPr lang="uk-UA" sz="1400" dirty="0" smtClean="0">
+            <a:endParaRPr lang="uk-UA" sz="1400" dirty="0">
               <a:latin typeface="Calibri" pitchFamily="34" charset="0"/>
             </a:endParaRPr>
           </a:p>
           <a:p>
             <a:r>
-              <a:rPr lang="en-US" sz="1400" b="1" dirty="0" smtClean="0">
+              <a:rPr lang="en-US" sz="1400" b="1" dirty="0">
                 <a:latin typeface="Calibri" pitchFamily="34" charset="0"/>
               </a:rPr>
               <a:t>app.pos</a:t>
             </a:r>
             <a:r>
-              <a:rPr lang="en-US" sz="1400" dirty="0" smtClean="0">
+              <a:rPr lang="en-US" sz="1400" dirty="0">
                 <a:latin typeface="Calibri" pitchFamily="34" charset="0"/>
               </a:rPr>
               <a:t>t('/</a:t>
             </a:r>
             <a:r>
-              <a:rPr lang="en-US" sz="1400" dirty="0" err="1" smtClean="0">
+              <a:rPr lang="en-US" sz="1400" dirty="0" err="1">
                 <a:latin typeface="Calibri" pitchFamily="34" charset="0"/>
               </a:rPr>
               <a:t>api</a:t>
             </a:r>
             <a:r>
-              <a:rPr lang="en-US" sz="1400" dirty="0" smtClean="0">
+              <a:rPr lang="en-US" sz="1400" dirty="0">
                 <a:latin typeface="Calibri" pitchFamily="34" charset="0"/>
               </a:rPr>
               <a:t>/items/:</a:t>
             </a:r>
             <a:r>
-              <a:rPr lang="en-US" sz="1400" dirty="0" err="1" smtClean="0">
+              <a:rPr lang="en-US" sz="1400" dirty="0" err="1">
                 <a:latin typeface="Calibri" pitchFamily="34" charset="0"/>
               </a:rPr>
               <a:t>itemId</a:t>
             </a:r>
             <a:r>
-              <a:rPr lang="en-US" sz="1400" dirty="0" smtClean="0">
+              <a:rPr lang="en-US" sz="1400" dirty="0">
                 <a:latin typeface="Calibri" pitchFamily="34" charset="0"/>
               </a:rPr>
               <a:t>', function (</a:t>
             </a:r>
             <a:r>
-              <a:rPr lang="en-US" sz="1400" dirty="0" err="1" smtClean="0">
+              <a:rPr lang="en-US" sz="1400" dirty="0" err="1">
                 <a:latin typeface="Calibri" pitchFamily="34" charset="0"/>
               </a:rPr>
               <a:t>req</a:t>
             </a:r>
             <a:r>
-              <a:rPr lang="en-US" sz="1400" dirty="0" smtClean="0">
+              <a:rPr lang="en-US" sz="1400" dirty="0">
                 <a:latin typeface="Calibri" pitchFamily="34" charset="0"/>
               </a:rPr>
               <a:t>, res, next) {</a:t>
@@ -3854,31 +3729,31 @@
           </a:p>
           <a:p>
             <a:r>
-              <a:rPr lang="en-US" sz="1400" dirty="0" smtClean="0">
+              <a:rPr lang="en-US" sz="1400" dirty="0">
                 <a:latin typeface="Calibri" pitchFamily="34" charset="0"/>
               </a:rPr>
               <a:t>    </a:t>
             </a:r>
             <a:r>
-              <a:rPr lang="en-US" sz="1400" dirty="0" err="1" smtClean="0">
+              <a:rPr lang="en-US" sz="1400" dirty="0" err="1">
                 <a:latin typeface="Calibri" pitchFamily="34" charset="0"/>
               </a:rPr>
               <a:t>var</a:t>
             </a:r>
             <a:r>
-              <a:rPr lang="en-US" sz="1400" dirty="0" smtClean="0">
+              <a:rPr lang="en-US" sz="1400" dirty="0">
                 <a:latin typeface="Calibri" pitchFamily="34" charset="0"/>
               </a:rPr>
               <a:t> item = new Item(</a:t>
             </a:r>
             <a:r>
-              <a:rPr lang="en-US" sz="1400" dirty="0" err="1" smtClean="0">
+              <a:rPr lang="en-US" sz="1400" dirty="0" err="1">
                 <a:latin typeface="Calibri" pitchFamily="34" charset="0"/>
               </a:rPr>
               <a:t>req.body</a:t>
             </a:r>
             <a:r>
-              <a:rPr lang="en-US" sz="1400" dirty="0" smtClean="0">
+              <a:rPr lang="en-US" sz="1400" dirty="0">
                 <a:latin typeface="Calibri" pitchFamily="34" charset="0"/>
               </a:rPr>
               <a:t>);</a:t>
@@ -3886,19 +3761,19 @@
           </a:p>
           <a:p>
             <a:r>
-              <a:rPr lang="en-US" sz="1400" dirty="0" smtClean="0">
+              <a:rPr lang="en-US" sz="1400" dirty="0">
                 <a:latin typeface="Calibri" pitchFamily="34" charset="0"/>
               </a:rPr>
               <a:t>    </a:t>
             </a:r>
             <a:r>
-              <a:rPr lang="en-US" sz="1400" dirty="0" err="1" smtClean="0">
+              <a:rPr lang="en-US" sz="1400" dirty="0" err="1">
                 <a:latin typeface="Calibri" pitchFamily="34" charset="0"/>
               </a:rPr>
               <a:t>item.save</a:t>
             </a:r>
             <a:r>
-              <a:rPr lang="en-US" sz="1400" dirty="0" smtClean="0">
+              <a:rPr lang="en-US" sz="1400" dirty="0">
                 <a:latin typeface="Calibri" pitchFamily="34" charset="0"/>
               </a:rPr>
               <a:t>(function (err, item) {</a:t>
@@ -3906,19 +3781,19 @@
           </a:p>
           <a:p>
             <a:r>
-              <a:rPr lang="en-US" sz="1400" dirty="0" smtClean="0">
+              <a:rPr lang="en-US" sz="1400" dirty="0">
                 <a:latin typeface="Calibri" pitchFamily="34" charset="0"/>
               </a:rPr>
               <a:t>        </a:t>
             </a:r>
             <a:r>
-              <a:rPr lang="en-US" sz="1400" dirty="0" err="1" smtClean="0">
+              <a:rPr lang="en-US" sz="1400" dirty="0" err="1">
                 <a:latin typeface="Calibri" pitchFamily="34" charset="0"/>
               </a:rPr>
               <a:t>res.send</a:t>
             </a:r>
             <a:r>
-              <a:rPr lang="en-US" sz="1400" dirty="0" smtClean="0">
+              <a:rPr lang="en-US" sz="1400" dirty="0">
                 <a:latin typeface="Calibri" pitchFamily="34" charset="0"/>
               </a:rPr>
               <a:t>(201, item);</a:t>
@@ -3926,7 +3801,7 @@
           </a:p>
           <a:p>
             <a:r>
-              <a:rPr lang="uk-UA" sz="1400" dirty="0" smtClean="0">
+              <a:rPr lang="uk-UA" sz="1400" dirty="0">
                 <a:latin typeface="Calibri" pitchFamily="34" charset="0"/>
               </a:rPr>
               <a:t>    });</a:t>
@@ -3934,62 +3809,62 @@
           </a:p>
           <a:p>
             <a:r>
-              <a:rPr lang="uk-UA" sz="1400" dirty="0" smtClean="0">
+              <a:rPr lang="uk-UA" sz="1400" dirty="0">
                 <a:latin typeface="Calibri" pitchFamily="34" charset="0"/>
               </a:rPr>
               <a:t>});</a:t>
             </a:r>
           </a:p>
           <a:p>
-            <a:endParaRPr lang="uk-UA" sz="1400" dirty="0" smtClean="0">
+            <a:endParaRPr lang="uk-UA" sz="1400" dirty="0">
               <a:latin typeface="Calibri" pitchFamily="34" charset="0"/>
             </a:endParaRPr>
           </a:p>
           <a:p>
             <a:r>
-              <a:rPr lang="en-US" sz="1400" b="1" dirty="0" err="1" smtClean="0">
+              <a:rPr lang="en-US" sz="1400" b="1" dirty="0" err="1">
                 <a:latin typeface="Calibri" pitchFamily="34" charset="0"/>
               </a:rPr>
               <a:t>app.delete</a:t>
             </a:r>
             <a:r>
-              <a:rPr lang="en-US" sz="1400" dirty="0" smtClean="0">
+              <a:rPr lang="en-US" sz="1400" dirty="0">
                 <a:latin typeface="Calibri" pitchFamily="34" charset="0"/>
               </a:rPr>
               <a:t>('/</a:t>
             </a:r>
             <a:r>
-              <a:rPr lang="en-US" sz="1400" dirty="0" err="1" smtClean="0">
+              <a:rPr lang="en-US" sz="1400" dirty="0" err="1">
                 <a:latin typeface="Calibri" pitchFamily="34" charset="0"/>
               </a:rPr>
               <a:t>api</a:t>
             </a:r>
             <a:r>
-              <a:rPr lang="en-US" sz="1400" dirty="0" smtClean="0">
+              <a:rPr lang="en-US" sz="1400" dirty="0">
                 <a:latin typeface="Calibri" pitchFamily="34" charset="0"/>
               </a:rPr>
               <a:t>/items/:</a:t>
             </a:r>
             <a:r>
-              <a:rPr lang="en-US" sz="1400" dirty="0" err="1" smtClean="0">
+              <a:rPr lang="en-US" sz="1400" dirty="0" err="1">
                 <a:latin typeface="Calibri" pitchFamily="34" charset="0"/>
               </a:rPr>
               <a:t>itemId</a:t>
             </a:r>
             <a:r>
-              <a:rPr lang="en-US" sz="1400" dirty="0" smtClean="0">
+              <a:rPr lang="en-US" sz="1400" dirty="0">
                 <a:latin typeface="Calibri" pitchFamily="34" charset="0"/>
               </a:rPr>
               <a:t>', function (</a:t>
             </a:r>
             <a:r>
-              <a:rPr lang="en-US" sz="1400" dirty="0" err="1" smtClean="0">
+              <a:rPr lang="en-US" sz="1400" dirty="0" err="1">
                 <a:latin typeface="Calibri" pitchFamily="34" charset="0"/>
               </a:rPr>
               <a:t>req</a:t>
             </a:r>
             <a:r>
-              <a:rPr lang="en-US" sz="1400" dirty="0" smtClean="0">
+              <a:rPr lang="en-US" sz="1400" dirty="0">
                 <a:latin typeface="Calibri" pitchFamily="34" charset="0"/>
               </a:rPr>
               <a:t>, res, next) {</a:t>
@@ -3997,19 +3872,19 @@
           </a:p>
           <a:p>
             <a:r>
-              <a:rPr lang="en-US" sz="1400" dirty="0" smtClean="0">
+              <a:rPr lang="en-US" sz="1400" dirty="0">
                 <a:latin typeface="Calibri" pitchFamily="34" charset="0"/>
               </a:rPr>
               <a:t>    </a:t>
             </a:r>
             <a:r>
-              <a:rPr lang="en-US" sz="1400" dirty="0" err="1" smtClean="0">
+              <a:rPr lang="en-US" sz="1400" dirty="0" err="1">
                 <a:latin typeface="Calibri" pitchFamily="34" charset="0"/>
               </a:rPr>
               <a:t>req.item.remove</a:t>
             </a:r>
             <a:r>
-              <a:rPr lang="en-US" sz="1400" dirty="0" smtClean="0">
+              <a:rPr lang="en-US" sz="1400" dirty="0">
                 <a:latin typeface="Calibri" pitchFamily="34" charset="0"/>
               </a:rPr>
               <a:t>(function (err) {</a:t>
@@ -4017,19 +3892,19 @@
           </a:p>
           <a:p>
             <a:r>
-              <a:rPr lang="en-US" sz="1400" dirty="0" smtClean="0">
+              <a:rPr lang="en-US" sz="1400" dirty="0">
                 <a:latin typeface="Calibri" pitchFamily="34" charset="0"/>
               </a:rPr>
               <a:t>        </a:t>
             </a:r>
             <a:r>
-              <a:rPr lang="en-US" sz="1400" dirty="0" err="1" smtClean="0">
+              <a:rPr lang="en-US" sz="1400" dirty="0" err="1">
                 <a:latin typeface="Calibri" pitchFamily="34" charset="0"/>
               </a:rPr>
               <a:t>res.send</a:t>
             </a:r>
             <a:r>
-              <a:rPr lang="en-US" sz="1400" dirty="0" smtClean="0">
+              <a:rPr lang="en-US" sz="1400" dirty="0">
                 <a:latin typeface="Calibri" pitchFamily="34" charset="0"/>
               </a:rPr>
               <a:t>(204, {});</a:t>
@@ -4037,7 +3912,7 @@
           </a:p>
           <a:p>
             <a:r>
-              <a:rPr lang="uk-UA" sz="1400" dirty="0" smtClean="0">
+              <a:rPr lang="uk-UA" sz="1400" dirty="0">
                 <a:latin typeface="Calibri" pitchFamily="34" charset="0"/>
               </a:rPr>
               <a:t>    });</a:t>
@@ -4045,7 +3920,7 @@
           </a:p>
           <a:p>
             <a:r>
-              <a:rPr lang="uk-UA" sz="1400" dirty="0" smtClean="0">
+              <a:rPr lang="uk-UA" sz="1400" dirty="0">
                 <a:latin typeface="Calibri" pitchFamily="34" charset="0"/>
               </a:rPr>
               <a:t>});</a:t>
@@ -4066,8 +3941,8 @@
         </p:nvSpPr>
         <p:spPr>
           <a:xfrm>
-            <a:off x="1187624" y="1844824"/>
-            <a:ext cx="2376264" cy="3139321"/>
+            <a:off x="457200" y="1844824"/>
+            <a:ext cx="3394720" cy="2862322"/>
           </a:xfrm>
           <a:prstGeom prst="rect">
             <a:avLst/>
@@ -4081,33 +3956,57 @@
           <a:lstStyle/>
           <a:p>
             <a:r>
-              <a:rPr lang="en-US" dirty="0" smtClean="0"/>
+              <a:rPr lang="en-US" dirty="0">
+                <a:latin typeface="Calibri" panose="020F0502020204030204" pitchFamily="34" charset="0"/>
+                <a:cs typeface="Calibri" panose="020F0502020204030204" pitchFamily="34" charset="0"/>
+              </a:rPr>
               <a:t>HTTP </a:t>
             </a:r>
             <a:r>
-              <a:rPr lang="ru-RU" dirty="0" smtClean="0"/>
+              <a:rPr lang="ru-RU" dirty="0">
+                <a:latin typeface="Calibri" panose="020F0502020204030204" pitchFamily="34" charset="0"/>
+                <a:cs typeface="Calibri" panose="020F0502020204030204" pitchFamily="34" charset="0"/>
+              </a:rPr>
               <a:t>методы, используемые в </a:t>
             </a:r>
             <a:r>
-              <a:rPr lang="en-US" dirty="0" err="1" smtClean="0"/>
+              <a:rPr lang="en-US" dirty="0" err="1">
+                <a:latin typeface="Calibri" panose="020F0502020204030204" pitchFamily="34" charset="0"/>
+                <a:cs typeface="Calibri" panose="020F0502020204030204" pitchFamily="34" charset="0"/>
+              </a:rPr>
               <a:t>RESTful</a:t>
             </a:r>
             <a:r>
-              <a:rPr lang="en-US" dirty="0" smtClean="0"/>
+              <a:rPr lang="en-US" dirty="0">
+                <a:latin typeface="Calibri" panose="020F0502020204030204" pitchFamily="34" charset="0"/>
+                <a:cs typeface="Calibri" panose="020F0502020204030204" pitchFamily="34" charset="0"/>
+              </a:rPr>
               <a:t> </a:t>
             </a:r>
             <a:r>
-              <a:rPr lang="ru-RU" dirty="0" smtClean="0"/>
+              <a:rPr lang="ru-RU" dirty="0">
+                <a:latin typeface="Calibri" panose="020F0502020204030204" pitchFamily="34" charset="0"/>
+                <a:cs typeface="Calibri" panose="020F0502020204030204" pitchFamily="34" charset="0"/>
+              </a:rPr>
               <a:t>сервисах</a:t>
             </a:r>
             <a:r>
-              <a:rPr lang="en-US" dirty="0" smtClean="0"/>
+              <a:rPr lang="en-US" dirty="0">
+                <a:latin typeface="Calibri" panose="020F0502020204030204" pitchFamily="34" charset="0"/>
+                <a:cs typeface="Calibri" panose="020F0502020204030204" pitchFamily="34" charset="0"/>
+              </a:rPr>
               <a:t>: </a:t>
             </a:r>
             <a:br>
-              <a:rPr lang="en-US" dirty="0" smtClean="0"/>
+              <a:rPr lang="en-US" dirty="0">
+                <a:latin typeface="Calibri" panose="020F0502020204030204" pitchFamily="34" charset="0"/>
+                <a:cs typeface="Calibri" panose="020F0502020204030204" pitchFamily="34" charset="0"/>
+              </a:rPr>
             </a:br>
-            <a:endParaRPr lang="en-US" dirty="0" smtClean="0"/>
+            <a:endParaRPr lang="en-US" dirty="0">
+              <a:latin typeface="Calibri" panose="020F0502020204030204" pitchFamily="34" charset="0"/>
+              <a:cs typeface="Calibri" panose="020F0502020204030204" pitchFamily="34" charset="0"/>
+            </a:endParaRPr>
           </a:p>
           <a:p>
             <a:pPr>
@@ -4115,21 +4014,33 @@
               <a:buChar char="•"/>
             </a:pPr>
             <a:r>
-              <a:rPr lang="en-US" dirty="0" smtClean="0"/>
+              <a:rPr lang="en-US" dirty="0">
+                <a:latin typeface="Calibri" panose="020F0502020204030204" pitchFamily="34" charset="0"/>
+                <a:cs typeface="Calibri" panose="020F0502020204030204" pitchFamily="34" charset="0"/>
+              </a:rPr>
               <a:t> GET</a:t>
             </a:r>
             <a:r>
-              <a:rPr lang="ru-RU" dirty="0" smtClean="0"/>
+              <a:rPr lang="ru-RU" dirty="0">
+                <a:latin typeface="Calibri" panose="020F0502020204030204" pitchFamily="34" charset="0"/>
+                <a:cs typeface="Calibri" panose="020F0502020204030204" pitchFamily="34" charset="0"/>
+              </a:rPr>
               <a:t> </a:t>
             </a:r>
-            <a:endParaRPr lang="en-US" dirty="0" smtClean="0"/>
+            <a:endParaRPr lang="en-US" dirty="0">
+              <a:latin typeface="Calibri" panose="020F0502020204030204" pitchFamily="34" charset="0"/>
+              <a:cs typeface="Calibri" panose="020F0502020204030204" pitchFamily="34" charset="0"/>
+            </a:endParaRPr>
           </a:p>
           <a:p>
             <a:pPr>
               <a:buFont typeface="Arial" pitchFamily="34" charset="0"/>
               <a:buChar char="•"/>
             </a:pPr>
-            <a:endParaRPr lang="ru-RU" dirty="0" smtClean="0"/>
+            <a:endParaRPr lang="ru-RU" dirty="0">
+              <a:latin typeface="Calibri" panose="020F0502020204030204" pitchFamily="34" charset="0"/>
+              <a:cs typeface="Calibri" panose="020F0502020204030204" pitchFamily="34" charset="0"/>
+            </a:endParaRPr>
           </a:p>
           <a:p>
             <a:pPr>
@@ -4137,7 +4048,10 @@
               <a:buChar char="•"/>
             </a:pPr>
             <a:r>
-              <a:rPr lang="en-US" dirty="0" smtClean="0"/>
+              <a:rPr lang="en-US" dirty="0">
+                <a:latin typeface="Calibri" panose="020F0502020204030204" pitchFamily="34" charset="0"/>
+                <a:cs typeface="Calibri" panose="020F0502020204030204" pitchFamily="34" charset="0"/>
+              </a:rPr>
               <a:t> POST </a:t>
             </a:r>
           </a:p>
@@ -4146,7 +4060,10 @@
               <a:buFont typeface="Arial" pitchFamily="34" charset="0"/>
               <a:buChar char="•"/>
             </a:pPr>
-            <a:endParaRPr lang="en-US" dirty="0" smtClean="0"/>
+            <a:endParaRPr lang="en-US" dirty="0">
+              <a:latin typeface="Calibri" panose="020F0502020204030204" pitchFamily="34" charset="0"/>
+              <a:cs typeface="Calibri" panose="020F0502020204030204" pitchFamily="34" charset="0"/>
+            </a:endParaRPr>
           </a:p>
           <a:p>
             <a:pPr>
@@ -4154,7 +4071,10 @@
               <a:buChar char="•"/>
             </a:pPr>
             <a:r>
-              <a:rPr lang="en-US" dirty="0" smtClean="0"/>
+              <a:rPr lang="en-US" dirty="0">
+                <a:latin typeface="Calibri" panose="020F0502020204030204" pitchFamily="34" charset="0"/>
+                <a:cs typeface="Calibri" panose="020F0502020204030204" pitchFamily="34" charset="0"/>
+              </a:rPr>
               <a:t> PUT </a:t>
             </a:r>
           </a:p>
@@ -4163,7 +4083,10 @@
               <a:buFont typeface="Arial" pitchFamily="34" charset="0"/>
               <a:buChar char="•"/>
             </a:pPr>
-            <a:endParaRPr lang="en-US" dirty="0" smtClean="0"/>
+            <a:endParaRPr lang="en-US" dirty="0">
+              <a:latin typeface="Calibri" panose="020F0502020204030204" pitchFamily="34" charset="0"/>
+              <a:cs typeface="Calibri" panose="020F0502020204030204" pitchFamily="34" charset="0"/>
+            </a:endParaRPr>
           </a:p>
           <a:p>
             <a:pPr>
@@ -4171,10 +4094,16 @@
               <a:buChar char="•"/>
             </a:pPr>
             <a:r>
-              <a:rPr lang="en-US" dirty="0" smtClean="0"/>
+              <a:rPr lang="en-US" dirty="0">
+                <a:latin typeface="Calibri" panose="020F0502020204030204" pitchFamily="34" charset="0"/>
+                <a:cs typeface="Calibri" panose="020F0502020204030204" pitchFamily="34" charset="0"/>
+              </a:rPr>
               <a:t> DELETE</a:t>
             </a:r>
-            <a:endParaRPr lang="uk-UA" dirty="0"/>
+            <a:endParaRPr lang="uk-UA" dirty="0">
+              <a:latin typeface="Calibri" panose="020F0502020204030204" pitchFamily="34" charset="0"/>
+              <a:cs typeface="Calibri" panose="020F0502020204030204" pitchFamily="34" charset="0"/>
+            </a:endParaRPr>
           </a:p>
         </p:txBody>
       </p:sp>
